--- a/lab_meetings/2019_07_11_HPH.pptx
+++ b/lab_meetings/2019_07_11_HPH.pptx
@@ -6,17 +6,18 @@
   </p:sldMasterIdLst>
   <p:sldIdLst>
     <p:sldId id="256" r:id="rId2"/>
-    <p:sldId id="257" r:id="rId3"/>
-    <p:sldId id="258" r:id="rId4"/>
-    <p:sldId id="259" r:id="rId5"/>
-    <p:sldId id="260" r:id="rId6"/>
-    <p:sldId id="261" r:id="rId7"/>
-    <p:sldId id="264" r:id="rId8"/>
-    <p:sldId id="265" r:id="rId9"/>
-    <p:sldId id="262" r:id="rId10"/>
-    <p:sldId id="263" r:id="rId11"/>
-    <p:sldId id="266" r:id="rId12"/>
-    <p:sldId id="267" r:id="rId13"/>
+    <p:sldId id="268" r:id="rId3"/>
+    <p:sldId id="257" r:id="rId4"/>
+    <p:sldId id="258" r:id="rId5"/>
+    <p:sldId id="259" r:id="rId6"/>
+    <p:sldId id="260" r:id="rId7"/>
+    <p:sldId id="261" r:id="rId8"/>
+    <p:sldId id="264" r:id="rId9"/>
+    <p:sldId id="265" r:id="rId10"/>
+    <p:sldId id="262" r:id="rId11"/>
+    <p:sldId id="263" r:id="rId12"/>
+    <p:sldId id="266" r:id="rId13"/>
+    <p:sldId id="267" r:id="rId14"/>
   </p:sldIdLst>
   <p:sldSz cx="12192000" cy="6858000"/>
   <p:notesSz cx="6858000" cy="9144000"/>
@@ -115,6 +116,11 @@
       </a:defRPr>
     </a:lvl9pPr>
   </p:defaultTextStyle>
+  <p:extLst>
+    <p:ext uri="{EFAFB233-063F-42B5-8137-9DF3F51BA10A}">
+      <p15:sldGuideLst xmlns:p15="http://schemas.microsoft.com/office/powerpoint/2012/main"/>
+    </p:ext>
+  </p:extLst>
 </p:presentation>
 </file>
 
@@ -265,7 +271,7 @@
           <a:p>
             <a:fld id="{A9581EFE-833F-AF45-AA78-052AC84FB58D}" type="datetimeFigureOut">
               <a:rPr lang="en-US" smtClean="0"/>
-              <a:t>7/11/19</a:t>
+              <a:t>7/12/19</a:t>
             </a:fld>
             <a:endParaRPr lang="en-US"/>
           </a:p>
@@ -463,7 +469,7 @@
           <a:p>
             <a:fld id="{A9581EFE-833F-AF45-AA78-052AC84FB58D}" type="datetimeFigureOut">
               <a:rPr lang="en-US" smtClean="0"/>
-              <a:t>7/11/19</a:t>
+              <a:t>7/12/19</a:t>
             </a:fld>
             <a:endParaRPr lang="en-US"/>
           </a:p>
@@ -671,7 +677,7 @@
           <a:p>
             <a:fld id="{A9581EFE-833F-AF45-AA78-052AC84FB58D}" type="datetimeFigureOut">
               <a:rPr lang="en-US" smtClean="0"/>
-              <a:t>7/11/19</a:t>
+              <a:t>7/12/19</a:t>
             </a:fld>
             <a:endParaRPr lang="en-US"/>
           </a:p>
@@ -869,7 +875,7 @@
           <a:p>
             <a:fld id="{A9581EFE-833F-AF45-AA78-052AC84FB58D}" type="datetimeFigureOut">
               <a:rPr lang="en-US" smtClean="0"/>
-              <a:t>7/11/19</a:t>
+              <a:t>7/12/19</a:t>
             </a:fld>
             <a:endParaRPr lang="en-US"/>
           </a:p>
@@ -1144,7 +1150,7 @@
           <a:p>
             <a:fld id="{A9581EFE-833F-AF45-AA78-052AC84FB58D}" type="datetimeFigureOut">
               <a:rPr lang="en-US" smtClean="0"/>
-              <a:t>7/11/19</a:t>
+              <a:t>7/12/19</a:t>
             </a:fld>
             <a:endParaRPr lang="en-US"/>
           </a:p>
@@ -1409,7 +1415,7 @@
           <a:p>
             <a:fld id="{A9581EFE-833F-AF45-AA78-052AC84FB58D}" type="datetimeFigureOut">
               <a:rPr lang="en-US" smtClean="0"/>
-              <a:t>7/11/19</a:t>
+              <a:t>7/12/19</a:t>
             </a:fld>
             <a:endParaRPr lang="en-US"/>
           </a:p>
@@ -1821,7 +1827,7 @@
           <a:p>
             <a:fld id="{A9581EFE-833F-AF45-AA78-052AC84FB58D}" type="datetimeFigureOut">
               <a:rPr lang="en-US" smtClean="0"/>
-              <a:t>7/11/19</a:t>
+              <a:t>7/12/19</a:t>
             </a:fld>
             <a:endParaRPr lang="en-US"/>
           </a:p>
@@ -1962,7 +1968,7 @@
           <a:p>
             <a:fld id="{A9581EFE-833F-AF45-AA78-052AC84FB58D}" type="datetimeFigureOut">
               <a:rPr lang="en-US" smtClean="0"/>
-              <a:t>7/11/19</a:t>
+              <a:t>7/12/19</a:t>
             </a:fld>
             <a:endParaRPr lang="en-US"/>
           </a:p>
@@ -2075,7 +2081,7 @@
           <a:p>
             <a:fld id="{A9581EFE-833F-AF45-AA78-052AC84FB58D}" type="datetimeFigureOut">
               <a:rPr lang="en-US" smtClean="0"/>
-              <a:t>7/11/19</a:t>
+              <a:t>7/12/19</a:t>
             </a:fld>
             <a:endParaRPr lang="en-US"/>
           </a:p>
@@ -2386,7 +2392,7 @@
           <a:p>
             <a:fld id="{A9581EFE-833F-AF45-AA78-052AC84FB58D}" type="datetimeFigureOut">
               <a:rPr lang="en-US" smtClean="0"/>
-              <a:t>7/11/19</a:t>
+              <a:t>7/12/19</a:t>
             </a:fld>
             <a:endParaRPr lang="en-US"/>
           </a:p>
@@ -2674,7 +2680,7 @@
           <a:p>
             <a:fld id="{A9581EFE-833F-AF45-AA78-052AC84FB58D}" type="datetimeFigureOut">
               <a:rPr lang="en-US" smtClean="0"/>
-              <a:t>7/11/19</a:t>
+              <a:t>7/12/19</a:t>
             </a:fld>
             <a:endParaRPr lang="en-US"/>
           </a:p>
@@ -2915,7 +2921,7 @@
           <a:p>
             <a:fld id="{A9581EFE-833F-AF45-AA78-052AC84FB58D}" type="datetimeFigureOut">
               <a:rPr lang="en-US" smtClean="0"/>
-              <a:t>7/11/19</a:t>
+              <a:t>7/12/19</a:t>
             </a:fld>
             <a:endParaRPr lang="en-US"/>
           </a:p>
@@ -3466,6 +3472,66 @@
           <p:cNvPr id="3" name="Picture 2">
             <a:extLst>
               <a:ext uri="{FF2B5EF4-FFF2-40B4-BE49-F238E27FC236}">
+                <a16:creationId xmlns:a16="http://schemas.microsoft.com/office/drawing/2014/main" id="{8E3341C9-BB19-3241-93FA-137251C5C2C6}"/>
+              </a:ext>
+            </a:extLst>
+          </p:cNvPr>
+          <p:cNvPicPr>
+            <a:picLocks noChangeAspect="1"/>
+          </p:cNvPicPr>
+          <p:nvPr/>
+        </p:nvPicPr>
+        <p:blipFill>
+          <a:blip r:embed="rId2"/>
+          <a:stretch>
+            <a:fillRect/>
+          </a:stretch>
+        </p:blipFill>
+        <p:spPr>
+          <a:xfrm>
+            <a:off x="114300" y="114300"/>
+            <a:ext cx="11963400" cy="6629400"/>
+          </a:xfrm>
+          <a:prstGeom prst="rect">
+            <a:avLst/>
+          </a:prstGeom>
+        </p:spPr>
+      </p:pic>
+    </p:spTree>
+    <p:extLst>
+      <p:ext uri="{BB962C8B-B14F-4D97-AF65-F5344CB8AC3E}">
+        <p14:creationId xmlns:p14="http://schemas.microsoft.com/office/powerpoint/2010/main" val="1732873143"/>
+      </p:ext>
+    </p:extLst>
+  </p:cSld>
+  <p:clrMapOvr>
+    <a:masterClrMapping/>
+  </p:clrMapOvr>
+</p:sld>
+</file>
+
+<file path=ppt/slides/slide11.xml><?xml version="1.0" encoding="utf-8"?>
+<p:sld xmlns:a="http://schemas.openxmlformats.org/drawingml/2006/main" xmlns:r="http://schemas.openxmlformats.org/officeDocument/2006/relationships" xmlns:p="http://schemas.openxmlformats.org/presentationml/2006/main">
+  <p:cSld>
+    <p:spTree>
+      <p:nvGrpSpPr>
+        <p:cNvPr id="1" name=""/>
+        <p:cNvGrpSpPr/>
+        <p:nvPr/>
+      </p:nvGrpSpPr>
+      <p:grpSpPr>
+        <a:xfrm>
+          <a:off x="0" y="0"/>
+          <a:ext cx="0" cy="0"/>
+          <a:chOff x="0" y="0"/>
+          <a:chExt cx="0" cy="0"/>
+        </a:xfrm>
+      </p:grpSpPr>
+      <p:pic>
+        <p:nvPicPr>
+          <p:cNvPr id="3" name="Picture 2">
+            <a:extLst>
+              <a:ext uri="{FF2B5EF4-FFF2-40B4-BE49-F238E27FC236}">
                 <a16:creationId xmlns:a16="http://schemas.microsoft.com/office/drawing/2014/main" id="{338D730C-F287-A546-ABE5-4EF787070899}"/>
               </a:ext>
             </a:extLst>
@@ -3504,7 +3570,7 @@
 </p:sld>
 </file>
 
-<file path=ppt/slides/slide11.xml><?xml version="1.0" encoding="utf-8"?>
+<file path=ppt/slides/slide12.xml><?xml version="1.0" encoding="utf-8"?>
 <p:sld xmlns:a="http://schemas.openxmlformats.org/drawingml/2006/main" xmlns:r="http://schemas.openxmlformats.org/officeDocument/2006/relationships" xmlns:p="http://schemas.openxmlformats.org/presentationml/2006/main">
   <p:cSld>
     <p:spTree>
@@ -3564,7 +3630,7 @@
 </p:sld>
 </file>
 
-<file path=ppt/slides/slide12.xml><?xml version="1.0" encoding="utf-8"?>
+<file path=ppt/slides/slide13.xml><?xml version="1.0" encoding="utf-8"?>
 <p:sld xmlns:a="http://schemas.openxmlformats.org/drawingml/2006/main" xmlns:r="http://schemas.openxmlformats.org/officeDocument/2006/relationships" xmlns:p="http://schemas.openxmlformats.org/presentationml/2006/main">
   <p:cSld>
     <p:spTree>
@@ -3643,6 +3709,66 @@
       </p:grpSpPr>
       <p:pic>
         <p:nvPicPr>
+          <p:cNvPr id="2" name="Picture 1">
+            <a:extLst>
+              <a:ext uri="{FF2B5EF4-FFF2-40B4-BE49-F238E27FC236}">
+                <a16:creationId xmlns:a16="http://schemas.microsoft.com/office/drawing/2014/main" id="{FC34D757-B189-CE47-92E1-CF331FE0EE96}"/>
+              </a:ext>
+            </a:extLst>
+          </p:cNvPr>
+          <p:cNvPicPr>
+            <a:picLocks noChangeAspect="1"/>
+          </p:cNvPicPr>
+          <p:nvPr/>
+        </p:nvPicPr>
+        <p:blipFill>
+          <a:blip r:embed="rId2"/>
+          <a:stretch>
+            <a:fillRect/>
+          </a:stretch>
+        </p:blipFill>
+        <p:spPr>
+          <a:xfrm>
+            <a:off x="1799324" y="798439"/>
+            <a:ext cx="8224297" cy="5067789"/>
+          </a:xfrm>
+          <a:prstGeom prst="rect">
+            <a:avLst/>
+          </a:prstGeom>
+        </p:spPr>
+      </p:pic>
+    </p:spTree>
+    <p:extLst>
+      <p:ext uri="{BB962C8B-B14F-4D97-AF65-F5344CB8AC3E}">
+        <p14:creationId xmlns:p14="http://schemas.microsoft.com/office/powerpoint/2010/main" val="1447483762"/>
+      </p:ext>
+    </p:extLst>
+  </p:cSld>
+  <p:clrMapOvr>
+    <a:masterClrMapping/>
+  </p:clrMapOvr>
+</p:sld>
+</file>
+
+<file path=ppt/slides/slide3.xml><?xml version="1.0" encoding="utf-8"?>
+<p:sld xmlns:a="http://schemas.openxmlformats.org/drawingml/2006/main" xmlns:r="http://schemas.openxmlformats.org/officeDocument/2006/relationships" xmlns:p="http://schemas.openxmlformats.org/presentationml/2006/main">
+  <p:cSld>
+    <p:spTree>
+      <p:nvGrpSpPr>
+        <p:cNvPr id="1" name=""/>
+        <p:cNvGrpSpPr/>
+        <p:nvPr/>
+      </p:nvGrpSpPr>
+      <p:grpSpPr>
+        <a:xfrm>
+          <a:off x="0" y="0"/>
+          <a:ext cx="0" cy="0"/>
+          <a:chOff x="0" y="0"/>
+          <a:chExt cx="0" cy="0"/>
+        </a:xfrm>
+      </p:grpSpPr>
+      <p:pic>
+        <p:nvPicPr>
           <p:cNvPr id="3" name="Picture 2">
             <a:extLst>
               <a:ext uri="{FF2B5EF4-FFF2-40B4-BE49-F238E27FC236}">
@@ -3684,7 +3810,7 @@
 </p:sld>
 </file>
 
-<file path=ppt/slides/slide3.xml><?xml version="1.0" encoding="utf-8"?>
+<file path=ppt/slides/slide4.xml><?xml version="1.0" encoding="utf-8"?>
 <p:sld xmlns:a="http://schemas.openxmlformats.org/drawingml/2006/main" xmlns:r="http://schemas.openxmlformats.org/officeDocument/2006/relationships" xmlns:p="http://schemas.openxmlformats.org/presentationml/2006/main">
   <p:cSld>
     <p:spTree>
@@ -3744,7 +3870,7 @@
 </p:sld>
 </file>
 
-<file path=ppt/slides/slide4.xml><?xml version="1.0" encoding="utf-8"?>
+<file path=ppt/slides/slide5.xml><?xml version="1.0" encoding="utf-8"?>
 <p:sld xmlns:a="http://schemas.openxmlformats.org/drawingml/2006/main" xmlns:r="http://schemas.openxmlformats.org/officeDocument/2006/relationships" xmlns:p="http://schemas.openxmlformats.org/presentationml/2006/main">
   <p:cSld>
     <p:spTree>
@@ -3804,7 +3930,7 @@
 </p:sld>
 </file>
 
-<file path=ppt/slides/slide5.xml><?xml version="1.0" encoding="utf-8"?>
+<file path=ppt/slides/slide6.xml><?xml version="1.0" encoding="utf-8"?>
 <p:sld xmlns:a="http://schemas.openxmlformats.org/drawingml/2006/main" xmlns:r="http://schemas.openxmlformats.org/officeDocument/2006/relationships" xmlns:p="http://schemas.openxmlformats.org/presentationml/2006/main">
   <p:cSld>
     <p:spTree>
@@ -3864,7 +3990,7 @@
 </p:sld>
 </file>
 
-<file path=ppt/slides/slide6.xml><?xml version="1.0" encoding="utf-8"?>
+<file path=ppt/slides/slide7.xml><?xml version="1.0" encoding="utf-8"?>
 <p:sld xmlns:a="http://schemas.openxmlformats.org/drawingml/2006/main" xmlns:r="http://schemas.openxmlformats.org/officeDocument/2006/relationships" xmlns:p="http://schemas.openxmlformats.org/presentationml/2006/main">
   <p:cSld>
     <p:spTree>
@@ -3924,7 +4050,7 @@
 </p:sld>
 </file>
 
-<file path=ppt/slides/slide7.xml><?xml version="1.0" encoding="utf-8"?>
+<file path=ppt/slides/slide8.xml><?xml version="1.0" encoding="utf-8"?>
 <p:sld xmlns:a="http://schemas.openxmlformats.org/drawingml/2006/main" xmlns:r="http://schemas.openxmlformats.org/officeDocument/2006/relationships" xmlns:p="http://schemas.openxmlformats.org/presentationml/2006/main">
   <p:cSld>
     <p:spTree>
@@ -3984,7 +4110,7 @@
 </p:sld>
 </file>
 
-<file path=ppt/slides/slide8.xml><?xml version="1.0" encoding="utf-8"?>
+<file path=ppt/slides/slide9.xml><?xml version="1.0" encoding="utf-8"?>
 <p:sld xmlns:a="http://schemas.openxmlformats.org/drawingml/2006/main" xmlns:r="http://schemas.openxmlformats.org/officeDocument/2006/relationships" xmlns:p="http://schemas.openxmlformats.org/presentationml/2006/main">
   <p:cSld>
     <p:spTree>
@@ -4035,66 +4161,6 @@
     <p:extLst>
       <p:ext uri="{BB962C8B-B14F-4D97-AF65-F5344CB8AC3E}">
         <p14:creationId xmlns:p14="http://schemas.microsoft.com/office/powerpoint/2010/main" val="3717639712"/>
-      </p:ext>
-    </p:extLst>
-  </p:cSld>
-  <p:clrMapOvr>
-    <a:masterClrMapping/>
-  </p:clrMapOvr>
-</p:sld>
-</file>
-
-<file path=ppt/slides/slide9.xml><?xml version="1.0" encoding="utf-8"?>
-<p:sld xmlns:a="http://schemas.openxmlformats.org/drawingml/2006/main" xmlns:r="http://schemas.openxmlformats.org/officeDocument/2006/relationships" xmlns:p="http://schemas.openxmlformats.org/presentationml/2006/main">
-  <p:cSld>
-    <p:spTree>
-      <p:nvGrpSpPr>
-        <p:cNvPr id="1" name=""/>
-        <p:cNvGrpSpPr/>
-        <p:nvPr/>
-      </p:nvGrpSpPr>
-      <p:grpSpPr>
-        <a:xfrm>
-          <a:off x="0" y="0"/>
-          <a:ext cx="0" cy="0"/>
-          <a:chOff x="0" y="0"/>
-          <a:chExt cx="0" cy="0"/>
-        </a:xfrm>
-      </p:grpSpPr>
-      <p:pic>
-        <p:nvPicPr>
-          <p:cNvPr id="3" name="Picture 2">
-            <a:extLst>
-              <a:ext uri="{FF2B5EF4-FFF2-40B4-BE49-F238E27FC236}">
-                <a16:creationId xmlns:a16="http://schemas.microsoft.com/office/drawing/2014/main" id="{8E3341C9-BB19-3241-93FA-137251C5C2C6}"/>
-              </a:ext>
-            </a:extLst>
-          </p:cNvPr>
-          <p:cNvPicPr>
-            <a:picLocks noChangeAspect="1"/>
-          </p:cNvPicPr>
-          <p:nvPr/>
-        </p:nvPicPr>
-        <p:blipFill>
-          <a:blip r:embed="rId2"/>
-          <a:stretch>
-            <a:fillRect/>
-          </a:stretch>
-        </p:blipFill>
-        <p:spPr>
-          <a:xfrm>
-            <a:off x="114300" y="114300"/>
-            <a:ext cx="11963400" cy="6629400"/>
-          </a:xfrm>
-          <a:prstGeom prst="rect">
-            <a:avLst/>
-          </a:prstGeom>
-        </p:spPr>
-      </p:pic>
-    </p:spTree>
-    <p:extLst>
-      <p:ext uri="{BB962C8B-B14F-4D97-AF65-F5344CB8AC3E}">
-        <p14:creationId xmlns:p14="http://schemas.microsoft.com/office/powerpoint/2010/main" val="1732873143"/>
       </p:ext>
     </p:extLst>
   </p:cSld>
